--- a/기획 자료/프로그래밍 전달 문서/솔루나_퍼즐 클리어 조건_1_채림.pptx
+++ b/기획 자료/프로그래밍 전달 문서/솔루나_퍼즐 클리어 조건_1_채림.pptx
@@ -5,15 +5,14 @@
     <p:sldMasterId id="2147483648" r:id="rId1"/>
   </p:sldMasterIdLst>
   <p:handoutMasterIdLst>
-    <p:handoutMasterId r:id="rId8"/>
+    <p:handoutMasterId r:id="rId7"/>
   </p:handoutMasterIdLst>
   <p:sldIdLst>
     <p:sldId id="256" r:id="rId2"/>
     <p:sldId id="261" r:id="rId3"/>
     <p:sldId id="257" r:id="rId4"/>
-    <p:sldId id="258" r:id="rId5"/>
-    <p:sldId id="259" r:id="rId6"/>
-    <p:sldId id="260" r:id="rId7"/>
+    <p:sldId id="259" r:id="rId5"/>
+    <p:sldId id="260" r:id="rId6"/>
   </p:sldIdLst>
   <p:sldSz cx="12192000" cy="6858000"/>
   <p:notesSz cx="6858000" cy="9144000"/>
@@ -205,7 +204,7 @@
           <a:p>
             <a:fld id="{BD74C3A7-5311-479C-A3AF-3970DE3B5417}" type="datetimeFigureOut">
               <a:rPr lang="ko-KR" altLang="en-US" smtClean="0"/>
-              <a:t>2022-08-31</a:t>
+              <a:t>2022-09-21</a:t>
             </a:fld>
             <a:endParaRPr lang="ko-KR" altLang="en-US"/>
           </a:p>
@@ -417,7 +416,7 @@
           <a:p>
             <a:fld id="{9262CD04-8CE0-493C-A3E1-9C60CCA4FDBF}" type="datetimeFigureOut">
               <a:rPr lang="ko-KR" altLang="en-US" smtClean="0"/>
-              <a:t>2022-08-31</a:t>
+              <a:t>2022-09-21</a:t>
             </a:fld>
             <a:endParaRPr lang="ko-KR" altLang="en-US"/>
           </a:p>
@@ -585,7 +584,7 @@
           <a:p>
             <a:fld id="{9262CD04-8CE0-493C-A3E1-9C60CCA4FDBF}" type="datetimeFigureOut">
               <a:rPr lang="ko-KR" altLang="en-US" smtClean="0"/>
-              <a:t>2022-08-31</a:t>
+              <a:t>2022-09-21</a:t>
             </a:fld>
             <a:endParaRPr lang="ko-KR" altLang="en-US"/>
           </a:p>
@@ -763,7 +762,7 @@
           <a:p>
             <a:fld id="{9262CD04-8CE0-493C-A3E1-9C60CCA4FDBF}" type="datetimeFigureOut">
               <a:rPr lang="ko-KR" altLang="en-US" smtClean="0"/>
-              <a:t>2022-08-31</a:t>
+              <a:t>2022-09-21</a:t>
             </a:fld>
             <a:endParaRPr lang="ko-KR" altLang="en-US"/>
           </a:p>
@@ -931,7 +930,7 @@
           <a:p>
             <a:fld id="{9262CD04-8CE0-493C-A3E1-9C60CCA4FDBF}" type="datetimeFigureOut">
               <a:rPr lang="ko-KR" altLang="en-US" smtClean="0"/>
-              <a:t>2022-08-31</a:t>
+              <a:t>2022-09-21</a:t>
             </a:fld>
             <a:endParaRPr lang="ko-KR" altLang="en-US"/>
           </a:p>
@@ -1176,7 +1175,7 @@
           <a:p>
             <a:fld id="{9262CD04-8CE0-493C-A3E1-9C60CCA4FDBF}" type="datetimeFigureOut">
               <a:rPr lang="ko-KR" altLang="en-US" smtClean="0"/>
-              <a:t>2022-08-31</a:t>
+              <a:t>2022-09-21</a:t>
             </a:fld>
             <a:endParaRPr lang="ko-KR" altLang="en-US"/>
           </a:p>
@@ -1405,7 +1404,7 @@
           <a:p>
             <a:fld id="{9262CD04-8CE0-493C-A3E1-9C60CCA4FDBF}" type="datetimeFigureOut">
               <a:rPr lang="ko-KR" altLang="en-US" smtClean="0"/>
-              <a:t>2022-08-31</a:t>
+              <a:t>2022-09-21</a:t>
             </a:fld>
             <a:endParaRPr lang="ko-KR" altLang="en-US"/>
           </a:p>
@@ -1769,7 +1768,7 @@
           <a:p>
             <a:fld id="{9262CD04-8CE0-493C-A3E1-9C60CCA4FDBF}" type="datetimeFigureOut">
               <a:rPr lang="ko-KR" altLang="en-US" smtClean="0"/>
-              <a:t>2022-08-31</a:t>
+              <a:t>2022-09-21</a:t>
             </a:fld>
             <a:endParaRPr lang="ko-KR" altLang="en-US"/>
           </a:p>
@@ -1886,7 +1885,7 @@
           <a:p>
             <a:fld id="{9262CD04-8CE0-493C-A3E1-9C60CCA4FDBF}" type="datetimeFigureOut">
               <a:rPr lang="ko-KR" altLang="en-US" smtClean="0"/>
-              <a:t>2022-08-31</a:t>
+              <a:t>2022-09-21</a:t>
             </a:fld>
             <a:endParaRPr lang="ko-KR" altLang="en-US"/>
           </a:p>
@@ -1981,7 +1980,7 @@
           <a:p>
             <a:fld id="{9262CD04-8CE0-493C-A3E1-9C60CCA4FDBF}" type="datetimeFigureOut">
               <a:rPr lang="ko-KR" altLang="en-US" smtClean="0"/>
-              <a:t>2022-08-31</a:t>
+              <a:t>2022-09-21</a:t>
             </a:fld>
             <a:endParaRPr lang="ko-KR" altLang="en-US"/>
           </a:p>
@@ -2256,7 +2255,7 @@
           <a:p>
             <a:fld id="{9262CD04-8CE0-493C-A3E1-9C60CCA4FDBF}" type="datetimeFigureOut">
               <a:rPr lang="ko-KR" altLang="en-US" smtClean="0"/>
-              <a:t>2022-08-31</a:t>
+              <a:t>2022-09-21</a:t>
             </a:fld>
             <a:endParaRPr lang="ko-KR" altLang="en-US"/>
           </a:p>
@@ -2508,7 +2507,7 @@
           <a:p>
             <a:fld id="{9262CD04-8CE0-493C-A3E1-9C60CCA4FDBF}" type="datetimeFigureOut">
               <a:rPr lang="ko-KR" altLang="en-US" smtClean="0"/>
-              <a:t>2022-08-31</a:t>
+              <a:t>2022-09-21</a:t>
             </a:fld>
             <a:endParaRPr lang="ko-KR" altLang="en-US"/>
           </a:p>
@@ -2719,7 +2718,7 @@
           <a:p>
             <a:fld id="{9262CD04-8CE0-493C-A3E1-9C60CCA4FDBF}" type="datetimeFigureOut">
               <a:rPr lang="ko-KR" altLang="en-US" smtClean="0"/>
-              <a:t>2022-08-31</a:t>
+              <a:t>2022-09-21</a:t>
             </a:fld>
             <a:endParaRPr lang="ko-KR" altLang="en-US"/>
           </a:p>
@@ -4702,94 +4701,6 @@
           <a:bodyPr/>
           <a:lstStyle/>
           <a:p>
-            <a:r>
-              <a:rPr lang="en-US" altLang="ko-KR" dirty="0"/>
-              <a:t>1.5</a:t>
-            </a:r>
-            <a:r>
-              <a:rPr lang="ko-KR" altLang="en-US" dirty="0"/>
-              <a:t>층</a:t>
-            </a:r>
-            <a:r>
-              <a:rPr lang="en-US" altLang="ko-KR" dirty="0"/>
-              <a:t>(</a:t>
-            </a:r>
-            <a:r>
-              <a:rPr lang="ko-KR" altLang="en-US" dirty="0"/>
-              <a:t>미정</a:t>
-            </a:r>
-            <a:r>
-              <a:rPr lang="en-US" altLang="ko-KR" dirty="0"/>
-              <a:t>)</a:t>
-            </a:r>
-            <a:endParaRPr lang="ko-KR" altLang="en-US" dirty="0"/>
-          </a:p>
-        </p:txBody>
-      </p:sp>
-      <p:sp>
-        <p:nvSpPr>
-          <p:cNvPr id="3" name="내용 개체 틀 2"/>
-          <p:cNvSpPr>
-            <a:spLocks noGrp="1"/>
-          </p:cNvSpPr>
-          <p:nvPr>
-            <p:ph idx="1"/>
-          </p:nvPr>
-        </p:nvSpPr>
-        <p:spPr/>
-        <p:txBody>
-          <a:bodyPr/>
-          <a:lstStyle/>
-          <a:p>
-            <a:endParaRPr lang="ko-KR" altLang="en-US"/>
-          </a:p>
-        </p:txBody>
-      </p:sp>
-    </p:spTree>
-    <p:extLst>
-      <p:ext uri="{BB962C8B-B14F-4D97-AF65-F5344CB8AC3E}">
-        <p14:creationId xmlns:p14="http://schemas.microsoft.com/office/powerpoint/2010/main" val="757887222"/>
-      </p:ext>
-    </p:extLst>
-  </p:cSld>
-  <p:clrMapOvr>
-    <a:masterClrMapping/>
-  </p:clrMapOvr>
-</p:sld>
-</file>
-
-<file path=ppt/slides/slide5.xml><?xml version="1.0" encoding="utf-8"?>
-<p:sld xmlns:a="http://schemas.openxmlformats.org/drawingml/2006/main" xmlns:r="http://schemas.openxmlformats.org/officeDocument/2006/relationships" xmlns:p="http://schemas.openxmlformats.org/presentationml/2006/main">
-  <p:cSld>
-    <p:spTree>
-      <p:nvGrpSpPr>
-        <p:cNvPr id="1" name=""/>
-        <p:cNvGrpSpPr/>
-        <p:nvPr/>
-      </p:nvGrpSpPr>
-      <p:grpSpPr>
-        <a:xfrm>
-          <a:off x="0" y="0"/>
-          <a:ext cx="0" cy="0"/>
-          <a:chOff x="0" y="0"/>
-          <a:chExt cx="0" cy="0"/>
-        </a:xfrm>
-      </p:grpSpPr>
-      <p:sp>
-        <p:nvSpPr>
-          <p:cNvPr id="2" name="제목 1"/>
-          <p:cNvSpPr>
-            <a:spLocks noGrp="1"/>
-          </p:cNvSpPr>
-          <p:nvPr>
-            <p:ph type="title"/>
-          </p:nvPr>
-        </p:nvSpPr>
-        <p:spPr/>
-        <p:txBody>
-          <a:bodyPr/>
-          <a:lstStyle/>
-          <a:p>
             <a:pPr>
               <a:lnSpc>
                 <a:spcPct val="150000"/>
@@ -5266,7 +5177,7 @@
 </p:sld>
 </file>
 
-<file path=ppt/slides/slide6.xml><?xml version="1.0" encoding="utf-8"?>
+<file path=ppt/slides/slide5.xml><?xml version="1.0" encoding="utf-8"?>
 <p:sld xmlns:a="http://schemas.openxmlformats.org/drawingml/2006/main" xmlns:r="http://schemas.openxmlformats.org/officeDocument/2006/relationships" xmlns:p="http://schemas.openxmlformats.org/presentationml/2006/main">
   <p:cSld>
     <p:spTree>
